--- a/Netflix-Data-Analysis_.pptx
+++ b/Netflix-Data-Analysis_.pptx
@@ -19,7 +19,7 @@
     <p:sldId id="267" r:id="rId13"/>
     <p:sldId id="268" r:id="rId14"/>
   </p:sldIdLst>
-  <p:sldSz cx="18288000" cy="10287000" type="screen4x3"/>
+  <p:sldSz cx="18288000" cy="10287000"/>
   <p:notesSz cx="10287000" cy="18288000"/>
   <p:defaultTextStyle>
     <a:defPPr>
@@ -118,7 +118,18 @@
   </p:defaultTextStyle>
   <p:extLst>
     <p:ext uri="{EFAFB233-063F-42B5-8137-9DF3F51BA10A}">
-      <p15:sldGuideLst xmlns:p15="http://schemas.microsoft.com/office/powerpoint/2012/main"/>
+      <p15:sldGuideLst xmlns:p15="http://schemas.microsoft.com/office/powerpoint/2012/main">
+        <p15:guide id="1" orient="horz" pos="2160">
+          <p15:clr>
+            <a:srgbClr val="A4A3A4"/>
+          </p15:clr>
+        </p15:guide>
+        <p15:guide id="2" pos="2880">
+          <p15:clr>
+            <a:srgbClr val="A4A3A4"/>
+          </p15:clr>
+        </p15:guide>
+      </p15:sldGuideLst>
     </p:ext>
   </p:extLst>
 </p:presentation>
@@ -305,7 +316,7 @@
           <a:p>
             <a:fld id="{F8166F1F-CE9B-4651-A6AA-CD717754106B}" type="datetimeFigureOut">
               <a:rPr lang="en-US" smtClean="0"/>
-              <a:t>7/26/2023</a:t>
+              <a:t>7/28/2023</a:t>
             </a:fld>
             <a:endParaRPr lang="en-US"/>
           </a:p>
@@ -470,7 +481,7 @@
           <a:p>
             <a:fld id="{A76116CE-C4A3-4A05-B2D7-7C2E9A889C0F}" type="datetimeFigureOut">
               <a:rPr lang="en-US" smtClean="0"/>
-              <a:t>1/30/2017</a:t>
+              <a:t>7/28/2023</a:t>
             </a:fld>
             <a:endParaRPr lang="en-US"/>
           </a:p>
@@ -645,7 +656,7 @@
           <a:p>
             <a:fld id="{A76116CE-C4A3-4A05-B2D7-7C2E9A889C0F}" type="datetimeFigureOut">
               <a:rPr lang="en-US" smtClean="0"/>
-              <a:t>1/30/2017</a:t>
+              <a:t>7/28/2023</a:t>
             </a:fld>
             <a:endParaRPr lang="en-US"/>
           </a:p>
@@ -812,7 +823,7 @@
           <a:p>
             <a:fld id="{A76116CE-C4A3-4A05-B2D7-7C2E9A889C0F}" type="datetimeFigureOut">
               <a:rPr lang="en-US" smtClean="0"/>
-              <a:t>7/26/2023</a:t>
+              <a:t>7/28/2023</a:t>
             </a:fld>
             <a:endParaRPr lang="en-US"/>
           </a:p>
@@ -1053,7 +1064,7 @@
           <a:p>
             <a:fld id="{A76116CE-C4A3-4A05-B2D7-7C2E9A889C0F}" type="datetimeFigureOut">
               <a:rPr lang="en-US" smtClean="0"/>
-              <a:t>7/26/2023</a:t>
+              <a:t>7/28/2023</a:t>
             </a:fld>
             <a:endParaRPr lang="en-US"/>
           </a:p>
@@ -1336,7 +1347,7 @@
           <a:p>
             <a:fld id="{A76116CE-C4A3-4A05-B2D7-7C2E9A889C0F}" type="datetimeFigureOut">
               <a:rPr lang="en-US" smtClean="0"/>
-              <a:t>1/30/2017</a:t>
+              <a:t>7/28/2023</a:t>
             </a:fld>
             <a:endParaRPr lang="en-US"/>
           </a:p>
@@ -1753,7 +1764,7 @@
           <a:p>
             <a:fld id="{A76116CE-C4A3-4A05-B2D7-7C2E9A889C0F}" type="datetimeFigureOut">
               <a:rPr lang="en-US" smtClean="0"/>
-              <a:t>1/30/2017</a:t>
+              <a:t>7/28/2023</a:t>
             </a:fld>
             <a:endParaRPr lang="en-US"/>
           </a:p>
@@ -1866,7 +1877,7 @@
           <a:p>
             <a:fld id="{A76116CE-C4A3-4A05-B2D7-7C2E9A889C0F}" type="datetimeFigureOut">
               <a:rPr lang="en-US" smtClean="0"/>
-              <a:t>1/30/2017</a:t>
+              <a:t>7/28/2023</a:t>
             </a:fld>
             <a:endParaRPr lang="en-US"/>
           </a:p>
@@ -1956,7 +1967,7 @@
           <a:p>
             <a:fld id="{A76116CE-C4A3-4A05-B2D7-7C2E9A889C0F}" type="datetimeFigureOut">
               <a:rPr lang="en-US" smtClean="0"/>
-              <a:t>1/30/2017</a:t>
+              <a:t>7/28/2023</a:t>
             </a:fld>
             <a:endParaRPr lang="en-US"/>
           </a:p>
@@ -2228,7 +2239,7 @@
           <a:p>
             <a:fld id="{A76116CE-C4A3-4A05-B2D7-7C2E9A889C0F}" type="datetimeFigureOut">
               <a:rPr lang="en-US" smtClean="0"/>
-              <a:t>1/30/2017</a:t>
+              <a:t>7/28/2023</a:t>
             </a:fld>
             <a:endParaRPr lang="en-US"/>
           </a:p>
@@ -2476,7 +2487,7 @@
           <a:p>
             <a:fld id="{A76116CE-C4A3-4A05-B2D7-7C2E9A889C0F}" type="datetimeFigureOut">
               <a:rPr lang="en-US" smtClean="0"/>
-              <a:t>1/30/2017</a:t>
+              <a:t>7/28/2023</a:t>
             </a:fld>
             <a:endParaRPr lang="en-US"/>
           </a:p>
@@ -2684,7 +2695,7 @@
           <a:p>
             <a:fld id="{F8166F1F-CE9B-4651-A6AA-CD717754106B}" type="datetimeFigureOut">
               <a:rPr lang="en-US" smtClean="0"/>
-              <a:t>6/13/2013</a:t>
+              <a:t>7/28/2023</a:t>
             </a:fld>
             <a:endParaRPr lang="en-US"/>
           </a:p>
@@ -2762,7 +2773,7 @@
           <a:p>
             <a:fld id="{F7021451-1387-4CA6-816F-3879F97B5CBC}" type="slidenum">
               <a:rPr lang="en-US" smtClean="0"/>
-              <a:t>�#�</a:t>
+              <a:t>‹#›</a:t>
             </a:fld>
             <a:endParaRPr lang="en-US"/>
           </a:p>
@@ -2773,16 +2784,16 @@
   <p:clrMap bg1="lt1" tx1="dk1" bg2="lt2" tx2="dk2" accent1="accent1" accent2="accent2" accent3="accent3" accent4="accent4" accent5="accent5" accent6="accent6" hlink="hlink" folHlink="folHlink"/>
   <p:sldLayoutIdLst>
     <p:sldLayoutId id="2147483649" r:id="rId1"/>
-    <p:sldLayoutId id="2147483650" r:id="rId3"/>
-    <p:sldLayoutId id="2147483651" r:id="rId4"/>
-    <p:sldLayoutId id="2147483652" r:id="rId5"/>
-    <p:sldLayoutId id="2147483653" r:id="rId6"/>
-    <p:sldLayoutId id="2147483654" r:id="rId7"/>
-    <p:sldLayoutId id="2147483655" r:id="rId8"/>
-    <p:sldLayoutId id="2147483656" r:id="rId9"/>
-    <p:sldLayoutId id="2147483657" r:id="rId10"/>
-    <p:sldLayoutId id="2147483658" r:id="rId11"/>
-    <p:sldLayoutId id="2147483659" r:id="rId12"/>
+    <p:sldLayoutId id="2147483650" r:id="rId2"/>
+    <p:sldLayoutId id="2147483651" r:id="rId3"/>
+    <p:sldLayoutId id="2147483652" r:id="rId4"/>
+    <p:sldLayoutId id="2147483653" r:id="rId5"/>
+    <p:sldLayoutId id="2147483654" r:id="rId6"/>
+    <p:sldLayoutId id="2147483655" r:id="rId7"/>
+    <p:sldLayoutId id="2147483656" r:id="rId8"/>
+    <p:sldLayoutId id="2147483657" r:id="rId9"/>
+    <p:sldLayoutId id="2147483658" r:id="rId10"/>
+    <p:sldLayoutId id="2147483659" r:id="rId11"/>
   </p:sldLayoutIdLst>
   <p:txStyles>
     <p:titleStyle>
@@ -3263,45 +3274,78 @@
           </a:prstGeom>
         </p:spPr>
       </p:pic>
-      <p:grpSp>
-        <p:nvGrpSpPr>
-          <p:cNvPr id="1001" name="그룹 1001"/>
-          <p:cNvGrpSpPr/>
-          <p:nvPr/>
-        </p:nvGrpSpPr>
-        <p:grpSpPr>
-          <a:xfrm>
-            <a:off x="5881539" y="2211244"/>
-            <a:ext cx="11818879" cy="6462863"/>
-            <a:chOff x="5881539" y="2211244"/>
-            <a:chExt cx="11818879" cy="6462863"/>
-          </a:xfrm>
-        </p:grpSpPr>
-        <p:pic>
-          <p:nvPicPr>
-            <p:cNvPr id="8" name="Object 7"/>
-            <p:cNvPicPr>
-              <a:picLocks noChangeAspect="1"/>
-            </p:cNvPicPr>
-            <p:nvPr/>
-          </p:nvPicPr>
-          <p:blipFill>
-            <a:blip r:embed="rId7" cstate="print"/>
-            <a:stretch>
-              <a:fillRect/>
-            </a:stretch>
-          </p:blipFill>
-          <p:spPr>
-            <a:xfrm>
-              <a:off x="5881539" y="2211244"/>
-              <a:ext cx="11818879" cy="6462863"/>
-            </a:xfrm>
-            <a:prstGeom prst="rect">
-              <a:avLst/>
-            </a:prstGeom>
-          </p:spPr>
-        </p:pic>
-      </p:grpSp>
+      <p:pic>
+        <p:nvPicPr>
+          <p:cNvPr id="7" name="그림 6"/>
+          <p:cNvPicPr>
+            <a:picLocks noChangeAspect="1"/>
+          </p:cNvPicPr>
+          <p:nvPr/>
+        </p:nvPicPr>
+        <p:blipFill>
+          <a:blip r:embed="rId7">
+            <a:extLst>
+              <a:ext uri="{28A0092B-C50C-407E-A947-70E740481C1C}">
+                <a14:useLocalDpi xmlns:a14="http://schemas.microsoft.com/office/drawing/2010/main" val="0"/>
+              </a:ext>
+            </a:extLst>
+          </a:blip>
+          <a:stretch>
+            <a:fillRect/>
+          </a:stretch>
+        </p:blipFill>
+        <p:spPr>
+          <a:xfrm>
+            <a:off x="5791200" y="2072707"/>
+            <a:ext cx="11818879" cy="7320649"/>
+          </a:xfrm>
+          <a:prstGeom prst="rect">
+            <a:avLst/>
+          </a:prstGeom>
+        </p:spPr>
+      </p:pic>
+      <p:sp>
+        <p:nvSpPr>
+          <p:cNvPr id="8" name="TextBox 7"/>
+          <p:cNvSpPr txBox="1"/>
+          <p:nvPr/>
+        </p:nvSpPr>
+        <p:spPr>
+          <a:xfrm>
+            <a:off x="16762761" y="971972"/>
+            <a:ext cx="723275" cy="369332"/>
+          </a:xfrm>
+          <a:prstGeom prst="rect">
+            <a:avLst/>
+          </a:prstGeom>
+          <a:noFill/>
+        </p:spPr>
+        <p:txBody>
+          <a:bodyPr wrap="none" rtlCol="0">
+            <a:spAutoFit/>
+          </a:bodyPr>
+          <a:lstStyle/>
+          <a:p>
+            <a:r>
+              <a:rPr lang="en-US" altLang="ko-KR" dirty="0" smtClean="0">
+                <a:solidFill>
+                  <a:schemeClr val="bg1">
+                    <a:lumMod val="75000"/>
+                  </a:schemeClr>
+                </a:solidFill>
+              </a:rPr>
+              <a:t>10-13</a:t>
+            </a:r>
+            <a:endParaRPr lang="ko-KR" altLang="en-US" dirty="0">
+              <a:solidFill>
+                <a:schemeClr val="bg1">
+                  <a:lumMod val="75000"/>
+                </a:schemeClr>
+              </a:solidFill>
+            </a:endParaRPr>
+          </a:p>
+        </p:txBody>
+      </p:sp>
     </p:spTree>
   </p:cSld>
   <p:clrMapOvr>
@@ -3575,6 +3619,48 @@
           </a:prstGeom>
         </p:spPr>
       </p:pic>
+      <p:sp>
+        <p:nvSpPr>
+          <p:cNvPr id="12" name="TextBox 11"/>
+          <p:cNvSpPr txBox="1"/>
+          <p:nvPr/>
+        </p:nvSpPr>
+        <p:spPr>
+          <a:xfrm>
+            <a:off x="16762761" y="971972"/>
+            <a:ext cx="723275" cy="369332"/>
+          </a:xfrm>
+          <a:prstGeom prst="rect">
+            <a:avLst/>
+          </a:prstGeom>
+          <a:noFill/>
+        </p:spPr>
+        <p:txBody>
+          <a:bodyPr wrap="none" rtlCol="0">
+            <a:spAutoFit/>
+          </a:bodyPr>
+          <a:lstStyle/>
+          <a:p>
+            <a:r>
+              <a:rPr lang="en-US" altLang="ko-KR" dirty="0" smtClean="0">
+                <a:solidFill>
+                  <a:schemeClr val="bg1">
+                    <a:lumMod val="75000"/>
+                  </a:schemeClr>
+                </a:solidFill>
+              </a:rPr>
+              <a:t>11-13</a:t>
+            </a:r>
+            <a:endParaRPr lang="ko-KR" altLang="en-US" dirty="0">
+              <a:solidFill>
+                <a:schemeClr val="bg1">
+                  <a:lumMod val="75000"/>
+                </a:schemeClr>
+              </a:solidFill>
+            </a:endParaRPr>
+          </a:p>
+        </p:txBody>
+      </p:sp>
     </p:spTree>
   </p:cSld>
   <p:clrMapOvr>
@@ -3728,6 +3814,48 @@
           </a:prstGeom>
         </p:spPr>
       </p:pic>
+      <p:sp>
+        <p:nvSpPr>
+          <p:cNvPr id="7" name="TextBox 6"/>
+          <p:cNvSpPr txBox="1"/>
+          <p:nvPr/>
+        </p:nvSpPr>
+        <p:spPr>
+          <a:xfrm>
+            <a:off x="16762761" y="971972"/>
+            <a:ext cx="723275" cy="369332"/>
+          </a:xfrm>
+          <a:prstGeom prst="rect">
+            <a:avLst/>
+          </a:prstGeom>
+          <a:noFill/>
+        </p:spPr>
+        <p:txBody>
+          <a:bodyPr wrap="none" rtlCol="0">
+            <a:spAutoFit/>
+          </a:bodyPr>
+          <a:lstStyle/>
+          <a:p>
+            <a:r>
+              <a:rPr lang="en-US" altLang="ko-KR" dirty="0" smtClean="0">
+                <a:solidFill>
+                  <a:schemeClr val="bg1">
+                    <a:lumMod val="75000"/>
+                  </a:schemeClr>
+                </a:solidFill>
+              </a:rPr>
+              <a:t>12-13</a:t>
+            </a:r>
+            <a:endParaRPr lang="ko-KR" altLang="en-US" dirty="0">
+              <a:solidFill>
+                <a:schemeClr val="bg1">
+                  <a:lumMod val="75000"/>
+                </a:schemeClr>
+              </a:solidFill>
+            </a:endParaRPr>
+          </a:p>
+        </p:txBody>
+      </p:sp>
     </p:spTree>
   </p:cSld>
   <p:clrMapOvr>
@@ -3928,7 +4056,7 @@
             <p:nvPr/>
           </p:nvPicPr>
           <p:blipFill>
-            <a:blip r:embed="rId3" cstate="print"/>
+            <a:blip r:embed="rId2" cstate="print"/>
             <a:stretch>
               <a:fillRect/>
             </a:stretch>
@@ -3967,7 +4095,7 @@
             <p:nvPr/>
           </p:nvPicPr>
           <p:blipFill>
-            <a:blip r:embed="rId4" cstate="print"/>
+            <a:blip r:embed="rId2" cstate="print"/>
             <a:stretch>
               <a:fillRect/>
             </a:stretch>
@@ -4006,7 +4134,7 @@
             <p:nvPr/>
           </p:nvPicPr>
           <p:blipFill>
-            <a:blip r:embed="rId5" cstate="print"/>
+            <a:blip r:embed="rId2" cstate="print"/>
             <a:stretch>
               <a:fillRect/>
             </a:stretch>
@@ -4031,7 +4159,7 @@
           <p:nvPr/>
         </p:nvPicPr>
         <p:blipFill>
-          <a:blip r:embed="rId6" cstate="print"/>
+          <a:blip r:embed="rId3" cstate="print"/>
           <a:stretch>
             <a:fillRect/>
           </a:stretch>
@@ -4055,7 +4183,7 @@
           <p:nvPr/>
         </p:nvPicPr>
         <p:blipFill>
-          <a:blip r:embed="rId7" cstate="print"/>
+          <a:blip r:embed="rId4" cstate="print"/>
           <a:stretch>
             <a:fillRect/>
           </a:stretch>
@@ -4079,7 +4207,7 @@
           <p:nvPr/>
         </p:nvPicPr>
         <p:blipFill>
-          <a:blip r:embed="rId8" cstate="print"/>
+          <a:blip r:embed="rId5" cstate="print"/>
           <a:stretch>
             <a:fillRect/>
           </a:stretch>
@@ -4103,7 +4231,7 @@
           <p:nvPr/>
         </p:nvPicPr>
         <p:blipFill>
-          <a:blip r:embed="rId9" cstate="print"/>
+          <a:blip r:embed="rId6" cstate="print"/>
           <a:stretch>
             <a:fillRect/>
           </a:stretch>
@@ -4127,7 +4255,7 @@
           <p:nvPr/>
         </p:nvPicPr>
         <p:blipFill>
-          <a:blip r:embed="rId10" cstate="print"/>
+          <a:blip r:embed="rId7" cstate="print"/>
           <a:stretch>
             <a:fillRect/>
           </a:stretch>
@@ -4151,7 +4279,7 @@
           <p:nvPr/>
         </p:nvPicPr>
         <p:blipFill>
-          <a:blip r:embed="rId11" cstate="print"/>
+          <a:blip r:embed="rId8" cstate="print"/>
           <a:stretch>
             <a:fillRect/>
           </a:stretch>
@@ -4175,7 +4303,7 @@
           <p:nvPr/>
         </p:nvPicPr>
         <p:blipFill>
-          <a:blip r:embed="rId12" cstate="print"/>
+          <a:blip r:embed="rId9" cstate="print"/>
           <a:stretch>
             <a:fillRect/>
           </a:stretch>
@@ -4199,7 +4327,7 @@
           <p:nvPr/>
         </p:nvPicPr>
         <p:blipFill>
-          <a:blip r:embed="rId13" cstate="print"/>
+          <a:blip r:embed="rId10" cstate="print"/>
           <a:stretch>
             <a:fillRect/>
           </a:stretch>
@@ -4223,7 +4351,7 @@
           <p:nvPr/>
         </p:nvPicPr>
         <p:blipFill>
-          <a:blip r:embed="rId14" cstate="print"/>
+          <a:blip r:embed="rId11" cstate="print"/>
           <a:stretch>
             <a:fillRect/>
           </a:stretch>
@@ -4261,7 +4389,7 @@
             <p:nvPr/>
           </p:nvPicPr>
           <p:blipFill>
-            <a:blip r:embed="rId15" cstate="print"/>
+            <a:blip r:embed="rId2" cstate="print"/>
             <a:stretch>
               <a:fillRect/>
             </a:stretch>
@@ -4286,7 +4414,7 @@
           <p:nvPr/>
         </p:nvPicPr>
         <p:blipFill>
-          <a:blip r:embed="rId16" cstate="print"/>
+          <a:blip r:embed="rId12" cstate="print"/>
           <a:stretch>
             <a:fillRect/>
           </a:stretch>
@@ -4310,7 +4438,7 @@
           <p:nvPr/>
         </p:nvPicPr>
         <p:blipFill>
-          <a:blip r:embed="rId17" cstate="print"/>
+          <a:blip r:embed="rId13" cstate="print"/>
           <a:stretch>
             <a:fillRect/>
           </a:stretch>
@@ -4334,7 +4462,7 @@
           <p:nvPr/>
         </p:nvPicPr>
         <p:blipFill>
-          <a:blip r:embed="rId18" cstate="print"/>
+          <a:blip r:embed="rId14" cstate="print"/>
           <a:stretch>
             <a:fillRect/>
           </a:stretch>
@@ -4358,7 +4486,7 @@
           <p:nvPr/>
         </p:nvPicPr>
         <p:blipFill>
-          <a:blip r:embed="rId19" cstate="print"/>
+          <a:blip r:embed="rId15" cstate="print"/>
           <a:stretch>
             <a:fillRect/>
           </a:stretch>
@@ -4382,7 +4510,7 @@
           <p:nvPr/>
         </p:nvPicPr>
         <p:blipFill>
-          <a:blip r:embed="rId20" cstate="print"/>
+          <a:blip r:embed="rId16" cstate="print"/>
           <a:stretch>
             <a:fillRect/>
           </a:stretch>
@@ -4406,7 +4534,7 @@
           <p:nvPr/>
         </p:nvPicPr>
         <p:blipFill>
-          <a:blip r:embed="rId21" cstate="print"/>
+          <a:blip r:embed="rId17" cstate="print"/>
           <a:stretch>
             <a:fillRect/>
           </a:stretch>
@@ -4756,7 +4884,7 @@
             <p:nvPr/>
           </p:nvPicPr>
           <p:blipFill>
-            <a:blip r:embed="rId13" cstate="print"/>
+            <a:blip r:embed="rId11" cstate="print"/>
             <a:stretch>
               <a:fillRect/>
             </a:stretch>
@@ -4795,7 +4923,7 @@
             <p:nvPr/>
           </p:nvPicPr>
           <p:blipFill>
-            <a:blip r:embed="rId14" cstate="print"/>
+            <a:blip r:embed="rId11" cstate="print"/>
             <a:stretch>
               <a:fillRect/>
             </a:stretch>
@@ -4834,7 +4962,7 @@
             <p:nvPr/>
           </p:nvPicPr>
           <p:blipFill>
-            <a:blip r:embed="rId15" cstate="print"/>
+            <a:blip r:embed="rId11" cstate="print"/>
             <a:stretch>
               <a:fillRect/>
             </a:stretch>
@@ -4859,7 +4987,7 @@
           <p:nvPr/>
         </p:nvPicPr>
         <p:blipFill>
-          <a:blip r:embed="rId16" cstate="print"/>
+          <a:blip r:embed="rId13" cstate="print"/>
           <a:stretch>
             <a:fillRect/>
           </a:stretch>
@@ -4883,7 +5011,7 @@
           <p:nvPr/>
         </p:nvPicPr>
         <p:blipFill>
-          <a:blip r:embed="rId17" cstate="print"/>
+          <a:blip r:embed="rId14" cstate="print"/>
           <a:stretch>
             <a:fillRect/>
           </a:stretch>
@@ -4907,7 +5035,7 @@
           <p:nvPr/>
         </p:nvPicPr>
         <p:blipFill>
-          <a:blip r:embed="rId18" cstate="print"/>
+          <a:blip r:embed="rId15" cstate="print"/>
           <a:stretch>
             <a:fillRect/>
           </a:stretch>
@@ -4931,7 +5059,7 @@
           <p:nvPr/>
         </p:nvPicPr>
         <p:blipFill>
-          <a:blip r:embed="rId19" cstate="print"/>
+          <a:blip r:embed="rId16" cstate="print"/>
           <a:stretch>
             <a:fillRect/>
           </a:stretch>
@@ -4955,7 +5083,7 @@
           <p:nvPr/>
         </p:nvPicPr>
         <p:blipFill>
-          <a:blip r:embed="rId20" cstate="print"/>
+          <a:blip r:embed="rId17" cstate="print"/>
           <a:stretch>
             <a:fillRect/>
           </a:stretch>
@@ -4970,6 +5098,48 @@
           </a:prstGeom>
         </p:spPr>
       </p:pic>
+      <p:sp>
+        <p:nvSpPr>
+          <p:cNvPr id="11" name="TextBox 10"/>
+          <p:cNvSpPr txBox="1"/>
+          <p:nvPr/>
+        </p:nvSpPr>
+        <p:spPr>
+          <a:xfrm>
+            <a:off x="16762761" y="971972"/>
+            <a:ext cx="606256" cy="369332"/>
+          </a:xfrm>
+          <a:prstGeom prst="rect">
+            <a:avLst/>
+          </a:prstGeom>
+          <a:noFill/>
+        </p:spPr>
+        <p:txBody>
+          <a:bodyPr wrap="none" rtlCol="0">
+            <a:spAutoFit/>
+          </a:bodyPr>
+          <a:lstStyle/>
+          <a:p>
+            <a:r>
+              <a:rPr lang="en-US" altLang="ko-KR" dirty="0" smtClean="0">
+                <a:solidFill>
+                  <a:schemeClr val="bg1">
+                    <a:lumMod val="75000"/>
+                  </a:schemeClr>
+                </a:solidFill>
+              </a:rPr>
+              <a:t>3-13</a:t>
+            </a:r>
+            <a:endParaRPr lang="ko-KR" altLang="en-US" dirty="0">
+              <a:solidFill>
+                <a:schemeClr val="bg1">
+                  <a:lumMod val="75000"/>
+                </a:schemeClr>
+              </a:solidFill>
+            </a:endParaRPr>
+          </a:p>
+        </p:txBody>
+      </p:sp>
     </p:spTree>
   </p:cSld>
   <p:clrMapOvr>
@@ -5243,6 +5413,58 @@
           </a:prstGeom>
         </p:spPr>
       </p:pic>
+      <p:sp>
+        <p:nvSpPr>
+          <p:cNvPr id="12" name="TextBox 11"/>
+          <p:cNvSpPr txBox="1"/>
+          <p:nvPr/>
+        </p:nvSpPr>
+        <p:spPr>
+          <a:xfrm>
+            <a:off x="16762761" y="971972"/>
+            <a:ext cx="606256" cy="369332"/>
+          </a:xfrm>
+          <a:prstGeom prst="rect">
+            <a:avLst/>
+          </a:prstGeom>
+          <a:noFill/>
+        </p:spPr>
+        <p:txBody>
+          <a:bodyPr wrap="none" rtlCol="0">
+            <a:spAutoFit/>
+          </a:bodyPr>
+          <a:lstStyle/>
+          <a:p>
+            <a:r>
+              <a:rPr lang="en-US" altLang="ko-KR" dirty="0">
+                <a:solidFill>
+                  <a:schemeClr val="bg1">
+                    <a:lumMod val="75000"/>
+                  </a:schemeClr>
+                </a:solidFill>
+              </a:rPr>
+              <a:t>4</a:t>
+            </a:r>
+            <a:r>
+              <a:rPr lang="en-US" altLang="ko-KR" dirty="0" smtClean="0">
+                <a:solidFill>
+                  <a:schemeClr val="bg1">
+                    <a:lumMod val="75000"/>
+                  </a:schemeClr>
+                </a:solidFill>
+              </a:rPr>
+              <a:t>-13</a:t>
+            </a:r>
+            <a:endParaRPr lang="ko-KR" altLang="en-US" dirty="0">
+              <a:solidFill>
+                <a:schemeClr val="bg1">
+                  <a:lumMod val="75000"/>
+                </a:schemeClr>
+              </a:solidFill>
+            </a:endParaRPr>
+          </a:p>
+        </p:txBody>
+      </p:sp>
     </p:spTree>
   </p:cSld>
   <p:clrMapOvr>
@@ -5459,6 +5681,58 @@
           </p:spPr>
         </p:pic>
       </p:grpSp>
+      <p:sp>
+        <p:nvSpPr>
+          <p:cNvPr id="10" name="TextBox 9"/>
+          <p:cNvSpPr txBox="1"/>
+          <p:nvPr/>
+        </p:nvSpPr>
+        <p:spPr>
+          <a:xfrm>
+            <a:off x="16762761" y="971972"/>
+            <a:ext cx="606256" cy="369332"/>
+          </a:xfrm>
+          <a:prstGeom prst="rect">
+            <a:avLst/>
+          </a:prstGeom>
+          <a:noFill/>
+        </p:spPr>
+        <p:txBody>
+          <a:bodyPr wrap="none" rtlCol="0">
+            <a:spAutoFit/>
+          </a:bodyPr>
+          <a:lstStyle/>
+          <a:p>
+            <a:r>
+              <a:rPr lang="en-US" altLang="ko-KR" dirty="0">
+                <a:solidFill>
+                  <a:schemeClr val="bg1">
+                    <a:lumMod val="75000"/>
+                  </a:schemeClr>
+                </a:solidFill>
+              </a:rPr>
+              <a:t>5</a:t>
+            </a:r>
+            <a:r>
+              <a:rPr lang="en-US" altLang="ko-KR" dirty="0" smtClean="0">
+                <a:solidFill>
+                  <a:schemeClr val="bg1">
+                    <a:lumMod val="75000"/>
+                  </a:schemeClr>
+                </a:solidFill>
+              </a:rPr>
+              <a:t>-13</a:t>
+            </a:r>
+            <a:endParaRPr lang="ko-KR" altLang="en-US" dirty="0">
+              <a:solidFill>
+                <a:schemeClr val="bg1">
+                  <a:lumMod val="75000"/>
+                </a:schemeClr>
+              </a:solidFill>
+            </a:endParaRPr>
+          </a:p>
+        </p:txBody>
+      </p:sp>
     </p:spTree>
   </p:cSld>
   <p:clrMapOvr>
@@ -5675,6 +5949,58 @@
           </p:spPr>
         </p:pic>
       </p:grpSp>
+      <p:sp>
+        <p:nvSpPr>
+          <p:cNvPr id="10" name="TextBox 9"/>
+          <p:cNvSpPr txBox="1"/>
+          <p:nvPr/>
+        </p:nvSpPr>
+        <p:spPr>
+          <a:xfrm>
+            <a:off x="16762761" y="971972"/>
+            <a:ext cx="606256" cy="369332"/>
+          </a:xfrm>
+          <a:prstGeom prst="rect">
+            <a:avLst/>
+          </a:prstGeom>
+          <a:noFill/>
+        </p:spPr>
+        <p:txBody>
+          <a:bodyPr wrap="none" rtlCol="0">
+            <a:spAutoFit/>
+          </a:bodyPr>
+          <a:lstStyle/>
+          <a:p>
+            <a:r>
+              <a:rPr lang="en-US" altLang="ko-KR" dirty="0">
+                <a:solidFill>
+                  <a:schemeClr val="bg1">
+                    <a:lumMod val="75000"/>
+                  </a:schemeClr>
+                </a:solidFill>
+              </a:rPr>
+              <a:t>6</a:t>
+            </a:r>
+            <a:r>
+              <a:rPr lang="en-US" altLang="ko-KR" dirty="0" smtClean="0">
+                <a:solidFill>
+                  <a:schemeClr val="bg1">
+                    <a:lumMod val="75000"/>
+                  </a:schemeClr>
+                </a:solidFill>
+              </a:rPr>
+              <a:t>-13</a:t>
+            </a:r>
+            <a:endParaRPr lang="ko-KR" altLang="en-US" dirty="0">
+              <a:solidFill>
+                <a:schemeClr val="bg1">
+                  <a:lumMod val="75000"/>
+                </a:schemeClr>
+              </a:solidFill>
+            </a:endParaRPr>
+          </a:p>
+        </p:txBody>
+      </p:sp>
     </p:spTree>
   </p:cSld>
   <p:clrMapOvr>
@@ -5891,6 +6217,58 @@
           </p:spPr>
         </p:pic>
       </p:grpSp>
+      <p:sp>
+        <p:nvSpPr>
+          <p:cNvPr id="10" name="TextBox 9"/>
+          <p:cNvSpPr txBox="1"/>
+          <p:nvPr/>
+        </p:nvSpPr>
+        <p:spPr>
+          <a:xfrm>
+            <a:off x="16762761" y="971972"/>
+            <a:ext cx="606256" cy="369332"/>
+          </a:xfrm>
+          <a:prstGeom prst="rect">
+            <a:avLst/>
+          </a:prstGeom>
+          <a:noFill/>
+        </p:spPr>
+        <p:txBody>
+          <a:bodyPr wrap="none" rtlCol="0">
+            <a:spAutoFit/>
+          </a:bodyPr>
+          <a:lstStyle/>
+          <a:p>
+            <a:r>
+              <a:rPr lang="en-US" altLang="ko-KR" dirty="0">
+                <a:solidFill>
+                  <a:schemeClr val="bg1">
+                    <a:lumMod val="75000"/>
+                  </a:schemeClr>
+                </a:solidFill>
+              </a:rPr>
+              <a:t>7</a:t>
+            </a:r>
+            <a:r>
+              <a:rPr lang="en-US" altLang="ko-KR" dirty="0" smtClean="0">
+                <a:solidFill>
+                  <a:schemeClr val="bg1">
+                    <a:lumMod val="75000"/>
+                  </a:schemeClr>
+                </a:solidFill>
+              </a:rPr>
+              <a:t>-13</a:t>
+            </a:r>
+            <a:endParaRPr lang="ko-KR" altLang="en-US" dirty="0">
+              <a:solidFill>
+                <a:schemeClr val="bg1">
+                  <a:lumMod val="75000"/>
+                </a:schemeClr>
+              </a:solidFill>
+            </a:endParaRPr>
+          </a:p>
+        </p:txBody>
+      </p:sp>
     </p:spTree>
   </p:cSld>
   <p:clrMapOvr>
@@ -6107,6 +6485,58 @@
           </p:spPr>
         </p:pic>
       </p:grpSp>
+      <p:sp>
+        <p:nvSpPr>
+          <p:cNvPr id="10" name="TextBox 9"/>
+          <p:cNvSpPr txBox="1"/>
+          <p:nvPr/>
+        </p:nvSpPr>
+        <p:spPr>
+          <a:xfrm>
+            <a:off x="16762761" y="971972"/>
+            <a:ext cx="606256" cy="369332"/>
+          </a:xfrm>
+          <a:prstGeom prst="rect">
+            <a:avLst/>
+          </a:prstGeom>
+          <a:noFill/>
+        </p:spPr>
+        <p:txBody>
+          <a:bodyPr wrap="none" rtlCol="0">
+            <a:spAutoFit/>
+          </a:bodyPr>
+          <a:lstStyle/>
+          <a:p>
+            <a:r>
+              <a:rPr lang="en-US" altLang="ko-KR" dirty="0">
+                <a:solidFill>
+                  <a:schemeClr val="bg1">
+                    <a:lumMod val="75000"/>
+                  </a:schemeClr>
+                </a:solidFill>
+              </a:rPr>
+              <a:t>8</a:t>
+            </a:r>
+            <a:r>
+              <a:rPr lang="en-US" altLang="ko-KR" dirty="0" smtClean="0">
+                <a:solidFill>
+                  <a:schemeClr val="bg1">
+                    <a:lumMod val="75000"/>
+                  </a:schemeClr>
+                </a:solidFill>
+              </a:rPr>
+              <a:t>-13</a:t>
+            </a:r>
+            <a:endParaRPr lang="ko-KR" altLang="en-US" dirty="0">
+              <a:solidFill>
+                <a:schemeClr val="bg1">
+                  <a:lumMod val="75000"/>
+                </a:schemeClr>
+              </a:solidFill>
+            </a:endParaRPr>
+          </a:p>
+        </p:txBody>
+      </p:sp>
     </p:spTree>
   </p:cSld>
   <p:clrMapOvr>
@@ -6284,45 +6714,88 @@
           </a:prstGeom>
         </p:spPr>
       </p:pic>
-      <p:grpSp>
-        <p:nvGrpSpPr>
-          <p:cNvPr id="1001" name="그룹 1001"/>
-          <p:cNvGrpSpPr/>
-          <p:nvPr/>
-        </p:nvGrpSpPr>
-        <p:grpSpPr>
-          <a:xfrm>
-            <a:off x="6122571" y="2051352"/>
-            <a:ext cx="11368535" cy="6752739"/>
-            <a:chOff x="6122571" y="2051352"/>
-            <a:chExt cx="11368535" cy="6752739"/>
-          </a:xfrm>
-        </p:grpSpPr>
-        <p:pic>
-          <p:nvPicPr>
-            <p:cNvPr id="9" name="Object 8"/>
-            <p:cNvPicPr>
-              <a:picLocks noChangeAspect="1"/>
-            </p:cNvPicPr>
-            <p:nvPr/>
-          </p:nvPicPr>
-          <p:blipFill>
-            <a:blip r:embed="rId8" cstate="print"/>
-            <a:stretch>
-              <a:fillRect/>
-            </a:stretch>
-          </p:blipFill>
-          <p:spPr>
-            <a:xfrm>
-              <a:off x="6122571" y="2051352"/>
-              <a:ext cx="11368535" cy="6752739"/>
-            </a:xfrm>
-            <a:prstGeom prst="rect">
-              <a:avLst/>
-            </a:prstGeom>
-          </p:spPr>
-        </p:pic>
-      </p:grpSp>
+      <p:sp>
+        <p:nvSpPr>
+          <p:cNvPr id="10" name="TextBox 9"/>
+          <p:cNvSpPr txBox="1"/>
+          <p:nvPr/>
+        </p:nvSpPr>
+        <p:spPr>
+          <a:xfrm>
+            <a:off x="16762761" y="971972"/>
+            <a:ext cx="606256" cy="369332"/>
+          </a:xfrm>
+          <a:prstGeom prst="rect">
+            <a:avLst/>
+          </a:prstGeom>
+          <a:noFill/>
+        </p:spPr>
+        <p:txBody>
+          <a:bodyPr wrap="none" rtlCol="0">
+            <a:spAutoFit/>
+          </a:bodyPr>
+          <a:lstStyle/>
+          <a:p>
+            <a:r>
+              <a:rPr lang="en-US" altLang="ko-KR" dirty="0">
+                <a:solidFill>
+                  <a:schemeClr val="bg1">
+                    <a:lumMod val="75000"/>
+                  </a:schemeClr>
+                </a:solidFill>
+              </a:rPr>
+              <a:t>9</a:t>
+            </a:r>
+            <a:r>
+              <a:rPr lang="en-US" altLang="ko-KR" dirty="0" smtClean="0">
+                <a:solidFill>
+                  <a:schemeClr val="bg1">
+                    <a:lumMod val="75000"/>
+                  </a:schemeClr>
+                </a:solidFill>
+              </a:rPr>
+              <a:t>-13</a:t>
+            </a:r>
+            <a:endParaRPr lang="ko-KR" altLang="en-US" dirty="0">
+              <a:solidFill>
+                <a:schemeClr val="bg1">
+                  <a:lumMod val="75000"/>
+                </a:schemeClr>
+              </a:solidFill>
+            </a:endParaRPr>
+          </a:p>
+        </p:txBody>
+      </p:sp>
+      <p:pic>
+        <p:nvPicPr>
+          <p:cNvPr id="8" name="그림 7"/>
+          <p:cNvPicPr>
+            <a:picLocks noChangeAspect="1"/>
+          </p:cNvPicPr>
+          <p:nvPr/>
+        </p:nvPicPr>
+        <p:blipFill>
+          <a:blip r:embed="rId8">
+            <a:extLst>
+              <a:ext uri="{28A0092B-C50C-407E-A947-70E740481C1C}">
+                <a14:useLocalDpi xmlns:a14="http://schemas.microsoft.com/office/drawing/2010/main" val="0"/>
+              </a:ext>
+            </a:extLst>
+          </a:blip>
+          <a:stretch>
+            <a:fillRect/>
+          </a:stretch>
+        </p:blipFill>
+        <p:spPr>
+          <a:xfrm>
+            <a:off x="6113862" y="2051352"/>
+            <a:ext cx="10861179" cy="6538321"/>
+          </a:xfrm>
+          <a:prstGeom prst="rect">
+            <a:avLst/>
+          </a:prstGeom>
+        </p:spPr>
+      </p:pic>
     </p:spTree>
   </p:cSld>
   <p:clrMapOvr>
